--- a/docs/Event-Sourcing.pptx
+++ b/docs/Event-Sourcing.pptx
@@ -17,9 +17,9 @@
     <p:sldId id="270" r:id="rId11"/>
     <p:sldId id="271" r:id="rId12"/>
     <p:sldId id="273" r:id="rId13"/>
-    <p:sldId id="274" r:id="rId14"/>
-    <p:sldId id="275" r:id="rId15"/>
-    <p:sldId id="276" r:id="rId16"/>
+    <p:sldId id="276" r:id="rId14"/>
+    <p:sldId id="274" r:id="rId15"/>
+    <p:sldId id="275" r:id="rId16"/>
     <p:sldId id="263" r:id="rId17"/>
     <p:sldId id="264" r:id="rId18"/>
     <p:sldId id="262" r:id="rId19"/>
@@ -7769,52 +7769,117 @@
           <a:lstStyle/>
           <a:p>
             <a:r>
+              <a:rPr lang="pt-BR" dirty="0" smtClean="0"/>
+              <a:t>Domain-</a:t>
+            </a:r>
+            <a:r>
+              <a:rPr lang="pt-BR" dirty="0" err="1" smtClean="0"/>
+              <a:t>Driven</a:t>
+            </a:r>
+            <a:r>
+              <a:rPr lang="pt-BR" dirty="0" smtClean="0"/>
+              <a:t>-Design</a:t>
+            </a:r>
+            <a:endParaRPr lang="pt-BR" dirty="0"/>
+          </a:p>
+        </p:txBody>
+      </p:sp>
+      <p:sp>
+        <p:nvSpPr>
+          <p:cNvPr id="3" name="Espaço Reservado para Conteúdo 2"/>
+          <p:cNvSpPr>
+            <a:spLocks noGrp="1"/>
+          </p:cNvSpPr>
+          <p:nvPr>
+            <p:ph idx="1"/>
+          </p:nvPr>
+        </p:nvSpPr>
+        <p:spPr/>
+        <p:txBody>
+          <a:bodyPr/>
+          <a:lstStyle/>
+          <a:p>
+            <a:r>
+              <a:rPr lang="pt-BR" dirty="0" smtClean="0"/>
+              <a:t>A modelagem tática do DDD constrói o Domínio.</a:t>
+            </a:r>
+          </a:p>
+          <a:p>
+            <a:r>
+              <a:rPr lang="pt-BR" dirty="0" smtClean="0"/>
+              <a:t>Investe-se na modelagem de </a:t>
+            </a:r>
+            <a:r>
               <a:rPr lang="pt-BR" dirty="0" err="1" smtClean="0"/>
               <a:t>Aggregates</a:t>
             </a:r>
+            <a:r>
+              <a:rPr lang="pt-BR" dirty="0" smtClean="0"/>
+              <a:t> que lançam Domain </a:t>
+            </a:r>
+            <a:r>
+              <a:rPr lang="pt-BR" dirty="0" err="1" smtClean="0"/>
+              <a:t>Events</a:t>
+            </a:r>
+            <a:r>
+              <a:rPr lang="pt-BR" dirty="0" smtClean="0"/>
+              <a:t>.</a:t>
+            </a:r>
             <a:endParaRPr lang="pt-BR" dirty="0"/>
           </a:p>
-        </p:txBody>
-      </p:sp>
-      <p:sp>
-        <p:nvSpPr>
-          <p:cNvPr id="3" name="Espaço Reservado para Conteúdo 2"/>
-          <p:cNvSpPr>
-            <a:spLocks noGrp="1"/>
-          </p:cNvSpPr>
-          <p:nvPr>
-            <p:ph idx="1"/>
-          </p:nvPr>
-        </p:nvSpPr>
-        <p:spPr/>
-        <p:txBody>
-          <a:bodyPr/>
-          <a:lstStyle/>
-          <a:p>
-            <a:r>
-              <a:rPr lang="pt-BR" dirty="0" smtClean="0"/>
-              <a:t>Protege o quanto possível o grafo de entidades de acessos externos</a:t>
-            </a:r>
-          </a:p>
-          <a:p>
-            <a:r>
-              <a:rPr lang="pt-BR" dirty="0" smtClean="0"/>
-              <a:t>Garante que o estado das entidades filhas são sempre consistentes</a:t>
-            </a:r>
-          </a:p>
-          <a:p>
-            <a:r>
-              <a:rPr lang="pt-BR" dirty="0" smtClean="0"/>
-              <a:t>Determina um escopo de transação</a:t>
-            </a:r>
+          <a:p>
+            <a:endParaRPr lang="pt-BR" dirty="0" smtClean="0"/>
+          </a:p>
+          <a:p>
             <a:endParaRPr lang="pt-BR" dirty="0"/>
           </a:p>
         </p:txBody>
       </p:sp>
+      <p:pic>
+        <p:nvPicPr>
+          <p:cNvPr id="8194" name="Picture 2" descr="C:\git\palestra-event-sourcing\Domain.png"/>
+          <p:cNvPicPr>
+            <a:picLocks noChangeAspect="1" noChangeArrowheads="1"/>
+          </p:cNvPicPr>
+          <p:nvPr/>
+        </p:nvPicPr>
+        <p:blipFill>
+          <a:blip r:embed="rId2">
+            <a:extLst>
+              <a:ext uri="{28A0092B-C50C-407E-A947-70E740481C1C}">
+                <a14:useLocalDpi xmlns:a14="http://schemas.microsoft.com/office/drawing/2010/main" val="0"/>
+              </a:ext>
+            </a:extLst>
+          </a:blip>
+          <a:srcRect/>
+          <a:stretch>
+            <a:fillRect/>
+          </a:stretch>
+        </p:blipFill>
+        <p:spPr bwMode="auto">
+          <a:xfrm>
+            <a:off x="3670300" y="3429000"/>
+            <a:ext cx="6043613" cy="2705100"/>
+          </a:xfrm>
+          <a:prstGeom prst="rect">
+            <a:avLst/>
+          </a:prstGeom>
+          <a:noFill/>
+          <a:extLst>
+            <a:ext uri="{909E8E84-426E-40DD-AFC4-6F175D3DCCD1}">
+              <a14:hiddenFill xmlns:a14="http://schemas.microsoft.com/office/drawing/2010/main">
+                <a:solidFill>
+                  <a:srgbClr val="FFFFFF"/>
+                </a:solidFill>
+              </a14:hiddenFill>
+            </a:ext>
+          </a:extLst>
+        </p:spPr>
+      </p:pic>
     </p:spTree>
     <p:extLst>
       <p:ext uri="{BB962C8B-B14F-4D97-AF65-F5344CB8AC3E}">
-        <p14:creationId xmlns:p14="http://schemas.microsoft.com/office/powerpoint/2010/main" val="2229106621"/>
+        <p14:creationId xmlns:p14="http://schemas.microsoft.com/office/powerpoint/2010/main" val="929806484"/>
       </p:ext>
     </p:extLst>
   </p:cSld>
@@ -7865,7 +7930,7 @@
           <a:p>
             <a:r>
               <a:rPr lang="pt-BR" dirty="0" err="1" smtClean="0"/>
-              <a:t>Events</a:t>
+              <a:t>Aggregates</a:t>
             </a:r>
             <a:endParaRPr lang="pt-BR" dirty="0"/>
           </a:p>
@@ -7888,19 +7953,19 @@
           <a:p>
             <a:r>
               <a:rPr lang="pt-BR" dirty="0" smtClean="0"/>
-              <a:t>Algo que ocorreu no passado</a:t>
+              <a:t>Protege o quanto possível o grafo de entidades de acessos externos</a:t>
             </a:r>
           </a:p>
           <a:p>
             <a:r>
               <a:rPr lang="pt-BR" dirty="0" smtClean="0"/>
-              <a:t>Uma vez armazenado se torna imutável</a:t>
+              <a:t>Garante que o estado das entidades filhas são sempre consistentes</a:t>
             </a:r>
           </a:p>
           <a:p>
             <a:r>
               <a:rPr lang="pt-BR" dirty="0" smtClean="0"/>
-              <a:t>Todo processamento relativo ao evento já foi realizado</a:t>
+              <a:t>Determina um escopo de transação</a:t>
             </a:r>
             <a:endParaRPr lang="pt-BR" dirty="0"/>
           </a:p>
@@ -7909,7 +7974,7 @@
     </p:spTree>
     <p:extLst>
       <p:ext uri="{BB962C8B-B14F-4D97-AF65-F5344CB8AC3E}">
-        <p14:creationId xmlns:p14="http://schemas.microsoft.com/office/powerpoint/2010/main" val="302188166"/>
+        <p14:creationId xmlns:p14="http://schemas.microsoft.com/office/powerpoint/2010/main" val="2229106621"/>
       </p:ext>
     </p:extLst>
   </p:cSld>
@@ -7959,96 +8024,44 @@
           <a:lstStyle/>
           <a:p>
             <a:r>
+              <a:rPr lang="pt-BR" dirty="0" err="1" smtClean="0"/>
+              <a:t>Events</a:t>
+            </a:r>
+            <a:endParaRPr lang="pt-BR" dirty="0"/>
+          </a:p>
+        </p:txBody>
+      </p:sp>
+      <p:sp>
+        <p:nvSpPr>
+          <p:cNvPr id="3" name="Espaço Reservado para Conteúdo 2"/>
+          <p:cNvSpPr>
+            <a:spLocks noGrp="1"/>
+          </p:cNvSpPr>
+          <p:nvPr>
+            <p:ph idx="1"/>
+          </p:nvPr>
+        </p:nvSpPr>
+        <p:spPr/>
+        <p:txBody>
+          <a:bodyPr/>
+          <a:lstStyle/>
+          <a:p>
+            <a:r>
               <a:rPr lang="pt-BR" dirty="0" smtClean="0"/>
-              <a:t>Domain-</a:t>
-            </a:r>
-            <a:r>
-              <a:rPr lang="pt-BR" dirty="0" err="1" smtClean="0"/>
-              <a:t>Driven</a:t>
-            </a:r>
+              <a:t>Algo que ocorreu no passado</a:t>
+            </a:r>
+          </a:p>
+          <a:p>
             <a:r>
               <a:rPr lang="pt-BR" dirty="0" smtClean="0"/>
-              <a:t>-Design</a:t>
-            </a:r>
-            <a:endParaRPr lang="pt-BR" dirty="0"/>
-          </a:p>
-        </p:txBody>
-      </p:sp>
-      <p:sp>
-        <p:nvSpPr>
-          <p:cNvPr id="3" name="Espaço Reservado para Conteúdo 2"/>
-          <p:cNvSpPr>
-            <a:spLocks noGrp="1"/>
-          </p:cNvSpPr>
-          <p:nvPr>
-            <p:ph idx="1"/>
-          </p:nvPr>
-        </p:nvSpPr>
-        <p:spPr/>
-        <p:txBody>
-          <a:bodyPr/>
-          <a:lstStyle/>
+              <a:t>Uma vez armazenado se torna imutável</a:t>
+            </a:r>
+          </a:p>
           <a:p>
             <a:r>
               <a:rPr lang="pt-BR" dirty="0" smtClean="0"/>
-              <a:t>DDD auxilia na modelagem do Domínio.</a:t>
-            </a:r>
-          </a:p>
-          <a:p>
-            <a:endParaRPr lang="pt-BR" dirty="0" smtClean="0"/>
-          </a:p>
-          <a:p>
-            <a:r>
-              <a:rPr lang="pt-BR" dirty="0" err="1" smtClean="0"/>
-              <a:t>Aggregates</a:t>
-            </a:r>
-            <a:r>
-              <a:rPr lang="pt-BR" dirty="0" smtClean="0"/>
-              <a:t> fazem parte da modelagem tática do DDD</a:t>
-            </a:r>
-          </a:p>
-          <a:p>
-            <a:r>
-              <a:rPr lang="pt-BR" dirty="0" err="1" smtClean="0"/>
-              <a:t>Aggregates</a:t>
-            </a:r>
-            <a:r>
-              <a:rPr lang="pt-BR" dirty="0" smtClean="0"/>
-              <a:t> lançam eventos</a:t>
-            </a:r>
-          </a:p>
-          <a:p>
-            <a:endParaRPr lang="pt-BR" dirty="0" smtClean="0"/>
-          </a:p>
-          <a:p>
-            <a:r>
-              <a:rPr lang="pt-BR" dirty="0" smtClean="0"/>
-              <a:t>A camada de </a:t>
-            </a:r>
-            <a:r>
-              <a:rPr lang="pt-BR" dirty="0" err="1" smtClean="0"/>
-              <a:t>Application</a:t>
-            </a:r>
-            <a:r>
-              <a:rPr lang="pt-BR" dirty="0" smtClean="0"/>
-              <a:t> coloca os Domain </a:t>
-            </a:r>
-            <a:r>
-              <a:rPr lang="pt-BR" dirty="0" err="1" smtClean="0"/>
-              <a:t>Event</a:t>
-            </a:r>
-            <a:r>
-              <a:rPr lang="pt-BR" dirty="0" smtClean="0"/>
-              <a:t> no Bus</a:t>
-            </a:r>
-          </a:p>
-          <a:p>
-            <a:endParaRPr lang="pt-BR" dirty="0"/>
-          </a:p>
-          <a:p>
-            <a:endParaRPr lang="pt-BR" dirty="0" smtClean="0"/>
-          </a:p>
-          <a:p>
+              <a:t>Todo processamento relativo ao evento já foi realizado</a:t>
+            </a:r>
             <a:endParaRPr lang="pt-BR" dirty="0"/>
           </a:p>
         </p:txBody>
@@ -8056,7 +8069,7 @@
     </p:spTree>
     <p:extLst>
       <p:ext uri="{BB962C8B-B14F-4D97-AF65-F5344CB8AC3E}">
-        <p14:creationId xmlns:p14="http://schemas.microsoft.com/office/powerpoint/2010/main" val="929806484"/>
+        <p14:creationId xmlns:p14="http://schemas.microsoft.com/office/powerpoint/2010/main" val="302188166"/>
       </p:ext>
     </p:extLst>
   </p:cSld>
@@ -8923,22 +8936,14 @@
           <a:lstStyle/>
           <a:p>
             <a:r>
-              <a:rPr lang="pt-BR" dirty="0" smtClean="0"/>
-              <a:t>Open-</a:t>
-            </a:r>
-            <a:r>
-              <a:rPr lang="pt-BR" dirty="0" err="1" smtClean="0"/>
-              <a:t>source</a:t>
-            </a:r>
-            <a:r>
-              <a:rPr lang="pt-BR" dirty="0" smtClean="0"/>
-              <a:t> </a:t>
-            </a:r>
-            <a:r>
-              <a:rPr lang="pt-BR" dirty="0" err="1" smtClean="0"/>
-              <a:t>Dev</a:t>
-            </a:r>
-            <a:endParaRPr lang="pt-BR" dirty="0" smtClean="0"/>
+              <a:rPr lang="pt-BR" dirty="0"/>
+              <a:t>Software </a:t>
+            </a:r>
+            <a:r>
+              <a:rPr lang="pt-BR" dirty="0" err="1"/>
+              <a:t>Craftmanship</a:t>
+            </a:r>
+            <a:endParaRPr lang="pt-BR" dirty="0"/>
           </a:p>
           <a:p>
             <a:r>
@@ -8956,17 +8961,6 @@
               <a:rPr lang="pt-BR" dirty="0" smtClean="0"/>
               <a:t>100loop.com</a:t>
             </a:r>
-          </a:p>
-          <a:p>
-            <a:r>
-              <a:rPr lang="pt-BR" dirty="0" smtClean="0"/>
-              <a:t>Software </a:t>
-            </a:r>
-            <a:r>
-              <a:rPr lang="pt-BR" dirty="0" err="1" smtClean="0"/>
-              <a:t>Craftmanship</a:t>
-            </a:r>
-            <a:endParaRPr lang="pt-BR" dirty="0" smtClean="0"/>
           </a:p>
           <a:p>
             <a:endParaRPr lang="pt-BR" dirty="0" smtClean="0"/>
@@ -9199,7 +9193,7 @@
           <a:p>
             <a:r>
               <a:rPr lang="pt-BR" dirty="0" smtClean="0"/>
-              <a:t>É sobre garantir que todas as modificações feitas no estado da aplicação durante todo o ciclo de vida da aplicação sejam armazenadas como uma sequência de eventos</a:t>
+              <a:t>Garante que todas as modificações feitas no estado de uma entidade sejam armazenadas como uma sequência de eventos.</a:t>
             </a:r>
             <a:endParaRPr lang="pt-BR" dirty="0"/>
           </a:p>
@@ -11509,7 +11503,7 @@
         <p:spPr>
           <a:xfrm>
             <a:off x="467841" y="1355292"/>
-            <a:ext cx="3331427" cy="808591"/>
+            <a:ext cx="4015259" cy="808591"/>
           </a:xfrm>
           <a:prstGeom prst="rect">
             <a:avLst/>
@@ -11569,7 +11563,7 @@
                   </a:outerShdw>
                 </a:effectLst>
               </a:rPr>
-              <a:t>Eventos de Depósito e Saque</a:t>
+              <a:t>Eventos de Depósitos e Saques</a:t>
             </a:r>
             <a:endParaRPr lang="pt-BR" sz="2000" dirty="0">
               <a:effectLst>
@@ -11868,7 +11862,19 @@
           <a:p>
             <a:r>
               <a:rPr lang="pt-BR" dirty="0" smtClean="0"/>
-              <a:t>Benefícios de ES</a:t>
+              <a:t>Benefícios de </a:t>
+            </a:r>
+            <a:r>
+              <a:rPr lang="pt-BR" dirty="0" err="1" smtClean="0"/>
+              <a:t>Event</a:t>
+            </a:r>
+            <a:r>
+              <a:rPr lang="pt-BR" dirty="0" smtClean="0"/>
+              <a:t> </a:t>
+            </a:r>
+            <a:r>
+              <a:rPr lang="pt-BR" dirty="0" err="1" smtClean="0"/>
+              <a:t>Sourcing</a:t>
             </a:r>
             <a:endParaRPr lang="pt-BR" dirty="0"/>
           </a:p>
@@ -11891,33 +11897,25 @@
           <a:p>
             <a:r>
               <a:rPr lang="pt-BR" dirty="0" smtClean="0"/>
-              <a:t>Auditoria</a:t>
+              <a:t>Auditoria.</a:t>
             </a:r>
           </a:p>
           <a:p>
             <a:r>
               <a:rPr lang="pt-BR" dirty="0" smtClean="0"/>
-              <a:t>Escalabilidade</a:t>
+              <a:t>Escalabilidade.</a:t>
             </a:r>
           </a:p>
           <a:p>
             <a:r>
               <a:rPr lang="pt-BR" dirty="0" smtClean="0"/>
-              <a:t>Redundância</a:t>
+              <a:t>Redundância.</a:t>
             </a:r>
           </a:p>
           <a:p>
             <a:r>
               <a:rPr lang="pt-BR" dirty="0" smtClean="0"/>
-              <a:t>Big Data </a:t>
-            </a:r>
-            <a:r>
-              <a:rPr lang="pt-BR" dirty="0" err="1" smtClean="0"/>
-              <a:t>Ready</a:t>
-            </a:r>
-            <a:r>
-              <a:rPr lang="pt-BR" dirty="0" smtClean="0"/>
-              <a:t>!</a:t>
+              <a:t>Pronto para Big Data!</a:t>
             </a:r>
             <a:endParaRPr lang="pt-BR" dirty="0"/>
           </a:p>
@@ -12016,16 +12014,44 @@
             </a:r>
             <a:r>
               <a:rPr lang="pt-BR" dirty="0" smtClean="0"/>
-              <a:t> registrar quem realizou cada evento, quando o evento ocorreu e o motivo.</a:t>
-            </a:r>
-          </a:p>
-          <a:p>
+              <a:t> registrar:</a:t>
+            </a:r>
+          </a:p>
+          <a:p>
+            <a:pPr lvl="1"/>
+            <a:r>
+              <a:rPr lang="pt-BR" dirty="0" smtClean="0"/>
+              <a:t>Quem realizou cada evento.</a:t>
+            </a:r>
+          </a:p>
+          <a:p>
+            <a:pPr lvl="1"/>
+            <a:r>
+              <a:rPr lang="pt-BR" dirty="0" smtClean="0"/>
+              <a:t>Quando o evento ocorreu.</a:t>
+            </a:r>
+          </a:p>
+          <a:p>
+            <a:pPr lvl="1"/>
+            <a:r>
+              <a:rPr lang="pt-BR" dirty="0" smtClean="0"/>
+              <a:t>E o motivo.</a:t>
+            </a:r>
+          </a:p>
+          <a:p>
+            <a:pPr lvl="1"/>
             <a:endParaRPr lang="pt-BR" dirty="0" smtClean="0"/>
           </a:p>
           <a:p>
             <a:r>
               <a:rPr lang="pt-BR" dirty="0" smtClean="0"/>
-              <a:t>As modificações na base são sempre incrementais.</a:t>
+              <a:t>As modificações são sempre incrementais. </a:t>
+            </a:r>
+          </a:p>
+          <a:p>
+            <a:r>
+              <a:rPr lang="pt-BR" dirty="0" smtClean="0"/>
+              <a:t>Sem operação DELETE.</a:t>
             </a:r>
           </a:p>
         </p:txBody>
@@ -12069,6 +12095,46 @@
       </p:grpSpPr>
       <p:sp>
         <p:nvSpPr>
+          <p:cNvPr id="5" name="Retângulo 4"/>
+          <p:cNvSpPr/>
+          <p:nvPr/>
+        </p:nvSpPr>
+        <p:spPr>
+          <a:xfrm>
+            <a:off x="-12700" y="3581400"/>
+            <a:ext cx="12204700" cy="3276600"/>
+          </a:xfrm>
+          <a:prstGeom prst="rect">
+            <a:avLst/>
+          </a:prstGeom>
+        </p:spPr>
+        <p:style>
+          <a:lnRef idx="2">
+            <a:schemeClr val="accent1">
+              <a:shade val="50000"/>
+            </a:schemeClr>
+          </a:lnRef>
+          <a:fillRef idx="1">
+            <a:schemeClr val="accent1"/>
+          </a:fillRef>
+          <a:effectRef idx="0">
+            <a:schemeClr val="accent1"/>
+          </a:effectRef>
+          <a:fontRef idx="minor">
+            <a:schemeClr val="lt1"/>
+          </a:fontRef>
+        </p:style>
+        <p:txBody>
+          <a:bodyPr rtlCol="0" anchor="ctr"/>
+          <a:lstStyle/>
+          <a:p>
+            <a:pPr algn="ctr"/>
+            <a:endParaRPr lang="pt-BR"/>
+          </a:p>
+        </p:txBody>
+      </p:sp>
+      <p:sp>
+        <p:nvSpPr>
           <p:cNvPr id="2" name="Título 1"/>
           <p:cNvSpPr>
             <a:spLocks noGrp="1"/>
@@ -12143,6 +12209,86 @@
           </a:p>
         </p:txBody>
       </p:sp>
+      <p:sp>
+        <p:nvSpPr>
+          <p:cNvPr id="4" name="AutoShape 2" descr="https://content.linkedin.com/content/dam/engineering/en-us/blog/migrated/partitioned_log_0.png"/>
+          <p:cNvSpPr>
+            <a:spLocks noChangeAspect="1" noChangeArrowheads="1"/>
+          </p:cNvSpPr>
+          <p:nvPr/>
+        </p:nvSpPr>
+        <p:spPr bwMode="auto">
+          <a:xfrm>
+            <a:off x="155575" y="-144463"/>
+            <a:ext cx="304800" cy="304801"/>
+          </a:xfrm>
+          <a:prstGeom prst="rect">
+            <a:avLst/>
+          </a:prstGeom>
+          <a:noFill/>
+          <a:extLst>
+            <a:ext uri="{909E8E84-426E-40DD-AFC4-6F175D3DCCD1}">
+              <a14:hiddenFill xmlns:a14="http://schemas.microsoft.com/office/drawing/2010/main">
+                <a:solidFill>
+                  <a:srgbClr val="FFFFFF"/>
+                </a:solidFill>
+              </a14:hiddenFill>
+            </a:ext>
+          </a:extLst>
+        </p:spPr>
+        <p:txBody>
+          <a:bodyPr vert="horz" wrap="square" lIns="91440" tIns="45720" rIns="91440" bIns="45720" numCol="1" anchor="t" anchorCtr="0" compatLnSpc="1">
+            <a:prstTxWarp prst="textNoShape">
+              <a:avLst/>
+            </a:prstTxWarp>
+          </a:bodyPr>
+          <a:lstStyle/>
+          <a:p>
+            <a:endParaRPr lang="pt-BR"/>
+          </a:p>
+        </p:txBody>
+      </p:sp>
+      <p:pic>
+        <p:nvPicPr>
+          <p:cNvPr id="2051" name="Picture 3" descr="C:\git\palestra-event-sourcing\partitioned_log_0.png"/>
+          <p:cNvPicPr>
+            <a:picLocks noChangeAspect="1" noChangeArrowheads="1"/>
+          </p:cNvPicPr>
+          <p:nvPr/>
+        </p:nvPicPr>
+        <p:blipFill>
+          <a:blip r:embed="rId2">
+            <a:extLst>
+              <a:ext uri="{28A0092B-C50C-407E-A947-70E740481C1C}">
+                <a14:useLocalDpi xmlns:a14="http://schemas.microsoft.com/office/drawing/2010/main" val="0"/>
+              </a:ext>
+            </a:extLst>
+          </a:blip>
+          <a:srcRect/>
+          <a:stretch>
+            <a:fillRect/>
+          </a:stretch>
+        </p:blipFill>
+        <p:spPr bwMode="auto">
+          <a:xfrm>
+            <a:off x="2738438" y="3707702"/>
+            <a:ext cx="7154862" cy="2716912"/>
+          </a:xfrm>
+          <a:prstGeom prst="rect">
+            <a:avLst/>
+          </a:prstGeom>
+          <a:noFill/>
+          <a:extLst>
+            <a:ext uri="{909E8E84-426E-40DD-AFC4-6F175D3DCCD1}">
+              <a14:hiddenFill xmlns:a14="http://schemas.microsoft.com/office/drawing/2010/main">
+                <a:solidFill>
+                  <a:srgbClr val="FFFFFF"/>
+                </a:solidFill>
+              </a14:hiddenFill>
+            </a:ext>
+          </a:extLst>
+        </p:spPr>
+      </p:pic>
     </p:spTree>
     <p:extLst>
       <p:ext uri="{BB962C8B-B14F-4D97-AF65-F5344CB8AC3E}">
